--- a/ThreeGlasses/Readme.pptx
+++ b/ThreeGlasses/Readme.pptx
@@ -12,13 +12,14 @@
     <p:sldId id="259" r:id="rId6"/>
     <p:sldId id="260" r:id="rId7"/>
     <p:sldId id="261" r:id="rId8"/>
-    <p:sldId id="262" r:id="rId9"/>
-    <p:sldId id="263" r:id="rId10"/>
-    <p:sldId id="264" r:id="rId11"/>
-    <p:sldId id="265" r:id="rId12"/>
-    <p:sldId id="266" r:id="rId13"/>
-    <p:sldId id="267" r:id="rId14"/>
-    <p:sldId id="268" r:id="rId15"/>
+    <p:sldId id="270" r:id="rId9"/>
+    <p:sldId id="262" r:id="rId10"/>
+    <p:sldId id="263" r:id="rId11"/>
+    <p:sldId id="264" r:id="rId12"/>
+    <p:sldId id="265" r:id="rId13"/>
+    <p:sldId id="266" r:id="rId14"/>
+    <p:sldId id="267" r:id="rId15"/>
+    <p:sldId id="268" r:id="rId16"/>
   </p:sldIdLst>
   <p:sldSz cx="12192000" cy="6858000"/>
   <p:notesSz cx="6858000" cy="9144000"/>
@@ -117,6 +118,11 @@
       </a:defRPr>
     </a:lvl9pPr>
   </p:defaultTextStyle>
+  <p:extLst>
+    <p:ext uri="{EFAFB233-063F-42B5-8137-9DF3F51BA10A}">
+      <p15:sldGuideLst xmlns:p15="http://schemas.microsoft.com/office/powerpoint/2012/main"/>
+    </p:ext>
+  </p:extLst>
 </p:presentation>
 </file>
 
@@ -165,7 +171,6 @@
               <a:rPr lang="zh-CN" altLang="en-US"/>
               <a:t>单击此处编辑母版标题样式</a:t>
             </a:r>
-            <a:endParaRPr lang="zh-CN" altLang="en-US"/>
           </a:p>
         </p:txBody>
       </p:sp>
@@ -230,7 +235,6 @@
               <a:rPr lang="zh-CN" altLang="en-US"/>
               <a:t>单击以编辑母版副标题样式</a:t>
             </a:r>
-            <a:endParaRPr lang="zh-CN" altLang="en-US"/>
           </a:p>
         </p:txBody>
       </p:sp>
@@ -251,7 +255,7 @@
           <a:p>
             <a:fld id="{F0212437-2538-4318-ADD0-997893E45271}" type="datetimeFigureOut">
               <a:rPr lang="zh-CN" altLang="en-US" smtClean="0"/>
-              <a:t>2016/11/1</a:t>
+              <a:t>2016/11/2</a:t>
             </a:fld>
             <a:endParaRPr lang="zh-CN" altLang="en-US"/>
           </a:p>
@@ -348,7 +352,6 @@
               <a:rPr lang="zh-CN" altLang="en-US"/>
               <a:t>单击此处编辑母版标题样式</a:t>
             </a:r>
-            <a:endParaRPr lang="zh-CN" altLang="en-US"/>
           </a:p>
         </p:txBody>
       </p:sp>
@@ -400,7 +403,6 @@
               <a:rPr lang="zh-CN" altLang="en-US"/>
               <a:t>第五级</a:t>
             </a:r>
-            <a:endParaRPr lang="zh-CN" altLang="en-US"/>
           </a:p>
         </p:txBody>
       </p:sp>
@@ -421,7 +423,7 @@
           <a:p>
             <a:fld id="{F0212437-2538-4318-ADD0-997893E45271}" type="datetimeFigureOut">
               <a:rPr lang="zh-CN" altLang="en-US" smtClean="0"/>
-              <a:t>2016/11/1</a:t>
+              <a:t>2016/11/2</a:t>
             </a:fld>
             <a:endParaRPr lang="zh-CN" altLang="en-US"/>
           </a:p>
@@ -523,7 +525,6 @@
               <a:rPr lang="zh-CN" altLang="en-US"/>
               <a:t>单击此处编辑母版标题样式</a:t>
             </a:r>
-            <a:endParaRPr lang="zh-CN" altLang="en-US"/>
           </a:p>
         </p:txBody>
       </p:sp>
@@ -580,7 +581,6 @@
               <a:rPr lang="zh-CN" altLang="en-US"/>
               <a:t>第五级</a:t>
             </a:r>
-            <a:endParaRPr lang="zh-CN" altLang="en-US"/>
           </a:p>
         </p:txBody>
       </p:sp>
@@ -601,7 +601,7 @@
           <a:p>
             <a:fld id="{F0212437-2538-4318-ADD0-997893E45271}" type="datetimeFigureOut">
               <a:rPr lang="zh-CN" altLang="en-US" smtClean="0"/>
-              <a:t>2016/11/1</a:t>
+              <a:t>2016/11/2</a:t>
             </a:fld>
             <a:endParaRPr lang="zh-CN" altLang="en-US"/>
           </a:p>
@@ -698,7 +698,6 @@
               <a:rPr lang="zh-CN" altLang="en-US"/>
               <a:t>单击此处编辑母版标题样式</a:t>
             </a:r>
-            <a:endParaRPr lang="zh-CN" altLang="en-US"/>
           </a:p>
         </p:txBody>
       </p:sp>
@@ -750,7 +749,6 @@
               <a:rPr lang="zh-CN" altLang="en-US"/>
               <a:t>第五级</a:t>
             </a:r>
-            <a:endParaRPr lang="zh-CN" altLang="en-US"/>
           </a:p>
         </p:txBody>
       </p:sp>
@@ -771,7 +769,7 @@
           <a:p>
             <a:fld id="{F0212437-2538-4318-ADD0-997893E45271}" type="datetimeFigureOut">
               <a:rPr lang="zh-CN" altLang="en-US" smtClean="0"/>
-              <a:t>2016/11/1</a:t>
+              <a:t>2016/11/2</a:t>
             </a:fld>
             <a:endParaRPr lang="zh-CN" altLang="en-US"/>
           </a:p>
@@ -877,7 +875,6 @@
               <a:rPr lang="zh-CN" altLang="en-US"/>
               <a:t>单击此处编辑母版标题样式</a:t>
             </a:r>
-            <a:endParaRPr lang="zh-CN" altLang="en-US"/>
           </a:p>
         </p:txBody>
       </p:sp>
@@ -1017,7 +1014,7 @@
           <a:p>
             <a:fld id="{F0212437-2538-4318-ADD0-997893E45271}" type="datetimeFigureOut">
               <a:rPr lang="zh-CN" altLang="en-US" smtClean="0"/>
-              <a:t>2016/11/1</a:t>
+              <a:t>2016/11/2</a:t>
             </a:fld>
             <a:endParaRPr lang="zh-CN" altLang="en-US"/>
           </a:p>
@@ -1114,7 +1111,6 @@
               <a:rPr lang="zh-CN" altLang="en-US"/>
               <a:t>单击此处编辑母版标题样式</a:t>
             </a:r>
-            <a:endParaRPr lang="zh-CN" altLang="en-US"/>
           </a:p>
         </p:txBody>
       </p:sp>
@@ -1171,7 +1167,6 @@
               <a:rPr lang="zh-CN" altLang="en-US"/>
               <a:t>第五级</a:t>
             </a:r>
-            <a:endParaRPr lang="zh-CN" altLang="en-US"/>
           </a:p>
         </p:txBody>
       </p:sp>
@@ -1228,7 +1223,6 @@
               <a:rPr lang="zh-CN" altLang="en-US"/>
               <a:t>第五级</a:t>
             </a:r>
-            <a:endParaRPr lang="zh-CN" altLang="en-US"/>
           </a:p>
         </p:txBody>
       </p:sp>
@@ -1249,7 +1243,7 @@
           <a:p>
             <a:fld id="{F0212437-2538-4318-ADD0-997893E45271}" type="datetimeFigureOut">
               <a:rPr lang="zh-CN" altLang="en-US" smtClean="0"/>
-              <a:t>2016/11/1</a:t>
+              <a:t>2016/11/2</a:t>
             </a:fld>
             <a:endParaRPr lang="zh-CN" altLang="en-US"/>
           </a:p>
@@ -1351,7 +1345,6 @@
               <a:rPr lang="zh-CN" altLang="en-US"/>
               <a:t>单击此处编辑母版标题样式</a:t>
             </a:r>
-            <a:endParaRPr lang="zh-CN" altLang="en-US"/>
           </a:p>
         </p:txBody>
       </p:sp>
@@ -1473,7 +1466,6 @@
               <a:rPr lang="zh-CN" altLang="en-US"/>
               <a:t>第五级</a:t>
             </a:r>
-            <a:endParaRPr lang="zh-CN" altLang="en-US"/>
           </a:p>
         </p:txBody>
       </p:sp>
@@ -1595,7 +1587,6 @@
               <a:rPr lang="zh-CN" altLang="en-US"/>
               <a:t>第五级</a:t>
             </a:r>
-            <a:endParaRPr lang="zh-CN" altLang="en-US"/>
           </a:p>
         </p:txBody>
       </p:sp>
@@ -1616,7 +1607,7 @@
           <a:p>
             <a:fld id="{F0212437-2538-4318-ADD0-997893E45271}" type="datetimeFigureOut">
               <a:rPr lang="zh-CN" altLang="en-US" smtClean="0"/>
-              <a:t>2016/11/1</a:t>
+              <a:t>2016/11/2</a:t>
             </a:fld>
             <a:endParaRPr lang="zh-CN" altLang="en-US"/>
           </a:p>
@@ -1713,7 +1704,6 @@
               <a:rPr lang="zh-CN" altLang="en-US"/>
               <a:t>单击此处编辑母版标题样式</a:t>
             </a:r>
-            <a:endParaRPr lang="zh-CN" altLang="en-US"/>
           </a:p>
         </p:txBody>
       </p:sp>
@@ -1734,7 +1724,7 @@
           <a:p>
             <a:fld id="{F0212437-2538-4318-ADD0-997893E45271}" type="datetimeFigureOut">
               <a:rPr lang="zh-CN" altLang="en-US" smtClean="0"/>
-              <a:t>2016/11/1</a:t>
+              <a:t>2016/11/2</a:t>
             </a:fld>
             <a:endParaRPr lang="zh-CN" altLang="en-US"/>
           </a:p>
@@ -1829,7 +1819,7 @@
           <a:p>
             <a:fld id="{F0212437-2538-4318-ADD0-997893E45271}" type="datetimeFigureOut">
               <a:rPr lang="zh-CN" altLang="en-US" smtClean="0"/>
-              <a:t>2016/11/1</a:t>
+              <a:t>2016/11/2</a:t>
             </a:fld>
             <a:endParaRPr lang="zh-CN" altLang="en-US"/>
           </a:p>
@@ -1935,7 +1925,6 @@
               <a:rPr lang="zh-CN" altLang="en-US"/>
               <a:t>单击此处编辑母版标题样式</a:t>
             </a:r>
-            <a:endParaRPr lang="zh-CN" altLang="en-US"/>
           </a:p>
         </p:txBody>
       </p:sp>
@@ -2020,7 +2009,6 @@
               <a:rPr lang="zh-CN" altLang="en-US"/>
               <a:t>第五级</a:t>
             </a:r>
-            <a:endParaRPr lang="zh-CN" altLang="en-US"/>
           </a:p>
         </p:txBody>
       </p:sp>
@@ -2106,7 +2094,7 @@
           <a:p>
             <a:fld id="{F0212437-2538-4318-ADD0-997893E45271}" type="datetimeFigureOut">
               <a:rPr lang="zh-CN" altLang="en-US" smtClean="0"/>
-              <a:t>2016/11/1</a:t>
+              <a:t>2016/11/2</a:t>
             </a:fld>
             <a:endParaRPr lang="zh-CN" altLang="en-US"/>
           </a:p>
@@ -2212,7 +2200,6 @@
               <a:rPr lang="zh-CN" altLang="en-US"/>
               <a:t>单击此处编辑母版标题样式</a:t>
             </a:r>
-            <a:endParaRPr lang="zh-CN" altLang="en-US"/>
           </a:p>
         </p:txBody>
       </p:sp>
@@ -2359,7 +2346,7 @@
           <a:p>
             <a:fld id="{F0212437-2538-4318-ADD0-997893E45271}" type="datetimeFigureOut">
               <a:rPr lang="zh-CN" altLang="en-US" smtClean="0"/>
-              <a:t>2016/11/1</a:t>
+              <a:t>2016/11/2</a:t>
             </a:fld>
             <a:endParaRPr lang="zh-CN" altLang="en-US"/>
           </a:p>
@@ -2471,7 +2458,6 @@
               <a:rPr lang="zh-CN" altLang="en-US"/>
               <a:t>单击此处编辑母版标题样式</a:t>
             </a:r>
-            <a:endParaRPr lang="zh-CN" altLang="en-US"/>
           </a:p>
         </p:txBody>
       </p:sp>
@@ -2533,7 +2519,6 @@
               <a:rPr lang="zh-CN" altLang="en-US"/>
               <a:t>第五级</a:t>
             </a:r>
-            <a:endParaRPr lang="zh-CN" altLang="en-US"/>
           </a:p>
         </p:txBody>
       </p:sp>
@@ -2572,7 +2557,7 @@
           <a:p>
             <a:fld id="{F0212437-2538-4318-ADD0-997893E45271}" type="datetimeFigureOut">
               <a:rPr lang="zh-CN" altLang="en-US" smtClean="0"/>
-              <a:t>2016/11/1</a:t>
+              <a:t>2016/11/2</a:t>
             </a:fld>
             <a:endParaRPr lang="zh-CN" altLang="en-US"/>
           </a:p>
@@ -3053,6 +3038,120 @@
           <a:lstStyle/>
           <a:p>
             <a:r>
+              <a:rPr lang="en-US" altLang="zh-CN" dirty="0"/>
+              <a:t>UE</a:t>
+            </a:r>
+            <a:r>
+              <a:rPr lang="zh-CN" altLang="en-US" dirty="0"/>
+              <a:t>编辑器界面</a:t>
+            </a:r>
+          </a:p>
+        </p:txBody>
+      </p:sp>
+      <p:sp>
+        <p:nvSpPr>
+          <p:cNvPr id="5" name="内容占位符 4"/>
+          <p:cNvSpPr>
+            <a:spLocks noGrp="1"/>
+          </p:cNvSpPr>
+          <p:nvPr>
+            <p:ph idx="1"/>
+          </p:nvPr>
+        </p:nvSpPr>
+        <p:spPr/>
+        <p:txBody>
+          <a:bodyPr/>
+          <a:lstStyle/>
+          <a:p>
+            <a:r>
+              <a:rPr lang="zh-CN" altLang="en-US" dirty="0"/>
+              <a:t>编译完成以后，自动打开</a:t>
+            </a:r>
+            <a:r>
+              <a:rPr lang="en-US" altLang="zh-CN" dirty="0"/>
+              <a:t>UE</a:t>
+            </a:r>
+            <a:r>
+              <a:rPr lang="zh-CN" altLang="en-US" dirty="0"/>
+              <a:t>编辑器</a:t>
+            </a:r>
+            <a:endParaRPr lang="en-US" altLang="zh-CN" dirty="0"/>
+          </a:p>
+          <a:p>
+            <a:endParaRPr lang="zh-CN" altLang="en-US" dirty="0"/>
+          </a:p>
+        </p:txBody>
+      </p:sp>
+      <p:pic>
+        <p:nvPicPr>
+          <p:cNvPr id="6" name="内容占位符 3"/>
+          <p:cNvPicPr>
+            <a:picLocks noChangeAspect="1"/>
+          </p:cNvPicPr>
+          <p:nvPr/>
+        </p:nvPicPr>
+        <p:blipFill>
+          <a:blip r:embed="rId2"/>
+          <a:stretch>
+            <a:fillRect/>
+          </a:stretch>
+        </p:blipFill>
+        <p:spPr>
+          <a:xfrm>
+            <a:off x="2272683" y="2464229"/>
+            <a:ext cx="7630574" cy="4147740"/>
+          </a:xfrm>
+          <a:prstGeom prst="rect">
+            <a:avLst/>
+          </a:prstGeom>
+        </p:spPr>
+      </p:pic>
+    </p:spTree>
+    <p:extLst>
+      <p:ext uri="{BB962C8B-B14F-4D97-AF65-F5344CB8AC3E}">
+        <p14:creationId xmlns:p14="http://schemas.microsoft.com/office/powerpoint/2010/main" val="3850594441"/>
+      </p:ext>
+    </p:extLst>
+  </p:cSld>
+  <p:clrMapOvr>
+    <a:masterClrMapping/>
+  </p:clrMapOvr>
+</p:sld>
+</file>
+
+<file path=ppt/slides/slide11.xml><?xml version="1.0" encoding="utf-8"?>
+<p:sld xmlns:a="http://schemas.openxmlformats.org/drawingml/2006/main" xmlns:r="http://schemas.openxmlformats.org/officeDocument/2006/relationships" xmlns:p="http://schemas.openxmlformats.org/presentationml/2006/main">
+  <p:cSld>
+    <p:spTree>
+      <p:nvGrpSpPr>
+        <p:cNvPr id="1" name=""/>
+        <p:cNvGrpSpPr/>
+        <p:nvPr/>
+      </p:nvGrpSpPr>
+      <p:grpSpPr>
+        <a:xfrm>
+          <a:off x="0" y="0"/>
+          <a:ext cx="0" cy="0"/>
+          <a:chOff x="0" y="0"/>
+          <a:chExt cx="0" cy="0"/>
+        </a:xfrm>
+      </p:grpSpPr>
+      <p:sp>
+        <p:nvSpPr>
+          <p:cNvPr id="2" name="标题 1"/>
+          <p:cNvSpPr>
+            <a:spLocks noGrp="1"/>
+          </p:cNvSpPr>
+          <p:nvPr>
+            <p:ph type="title"/>
+          </p:nvPr>
+        </p:nvSpPr>
+        <p:spPr/>
+        <p:txBody>
+          <a:bodyPr/>
+          <a:lstStyle/>
+          <a:p>
+            <a:r>
               <a:rPr lang="zh-CN" altLang="en-US" dirty="0"/>
               <a:t>进入</a:t>
             </a:r>
@@ -3138,7 +3237,7 @@
 </p:sld>
 </file>
 
-<file path=ppt/slides/slide11.xml><?xml version="1.0" encoding="utf-8"?>
+<file path=ppt/slides/slide12.xml><?xml version="1.0" encoding="utf-8"?>
 <p:sld xmlns:a="http://schemas.openxmlformats.org/drawingml/2006/main" xmlns:r="http://schemas.openxmlformats.org/officeDocument/2006/relationships" xmlns:p="http://schemas.openxmlformats.org/presentationml/2006/main">
   <p:cSld>
     <p:spTree>
@@ -3275,7 +3374,7 @@
 </p:sld>
 </file>
 
-<file path=ppt/slides/slide12.xml><?xml version="1.0" encoding="utf-8"?>
+<file path=ppt/slides/slide13.xml><?xml version="1.0" encoding="utf-8"?>
 <p:sld xmlns:a="http://schemas.openxmlformats.org/drawingml/2006/main" xmlns:r="http://schemas.openxmlformats.org/officeDocument/2006/relationships" xmlns:p="http://schemas.openxmlformats.org/presentationml/2006/main">
   <p:cSld>
     <p:spTree>
@@ -3406,7 +3505,7 @@
 </p:sld>
 </file>
 
-<file path=ppt/slides/slide13.xml><?xml version="1.0" encoding="utf-8"?>
+<file path=ppt/slides/slide14.xml><?xml version="1.0" encoding="utf-8"?>
 <p:sld xmlns:a="http://schemas.openxmlformats.org/drawingml/2006/main" xmlns:r="http://schemas.openxmlformats.org/officeDocument/2006/relationships" xmlns:p="http://schemas.openxmlformats.org/presentationml/2006/main">
   <p:cSld>
     <p:spTree>
@@ -3547,7 +3646,7 @@
 </p:sld>
 </file>
 
-<file path=ppt/slides/slide14.xml><?xml version="1.0" encoding="utf-8"?>
+<file path=ppt/slides/slide15.xml><?xml version="1.0" encoding="utf-8"?>
 <p:sld xmlns:a="http://schemas.openxmlformats.org/drawingml/2006/main" xmlns:r="http://schemas.openxmlformats.org/officeDocument/2006/relationships" xmlns:p="http://schemas.openxmlformats.org/presentationml/2006/main">
   <p:cSld>
     <p:spTree>
@@ -4427,6 +4526,148 @@
           <a:p>
             <a:r>
               <a:rPr lang="zh-CN" altLang="en-US" dirty="0"/>
+              <a:t>生成项目依赖</a:t>
+            </a:r>
+          </a:p>
+        </p:txBody>
+      </p:sp>
+      <p:sp>
+        <p:nvSpPr>
+          <p:cNvPr id="3" name="内容占位符 2"/>
+          <p:cNvSpPr>
+            <a:spLocks noGrp="1"/>
+          </p:cNvSpPr>
+          <p:nvPr>
+            <p:ph idx="1"/>
+          </p:nvPr>
+        </p:nvSpPr>
+        <p:spPr/>
+        <p:txBody>
+          <a:bodyPr/>
+          <a:lstStyle/>
+          <a:p>
+            <a:r>
+              <a:rPr lang="zh-CN" altLang="en-US" dirty="0"/>
+              <a:t>某些情况下如果右键点击</a:t>
+            </a:r>
+            <a:r>
+              <a:rPr lang="en-US" altLang="zh-CN" dirty="0" err="1"/>
+              <a:t>uproject</a:t>
+            </a:r>
+            <a:r>
+              <a:rPr lang="zh-CN" altLang="en-US" dirty="0"/>
+              <a:t>没有出来相关的菜单，请到引擎安装目录以下路径运行</a:t>
+            </a:r>
+            <a:r>
+              <a:rPr lang="en-US" altLang="zh-CN" dirty="0"/>
+              <a:t>UnrealVersionSelector-Win64-Shipping.exe</a:t>
+            </a:r>
+            <a:r>
+              <a:rPr lang="zh-CN" altLang="en-US" dirty="0"/>
+              <a:t>注册一下文件类型</a:t>
+            </a:r>
+            <a:endParaRPr lang="en-US" altLang="zh-CN" dirty="0"/>
+          </a:p>
+          <a:p>
+            <a:endParaRPr lang="zh-CN" altLang="en-US" dirty="0"/>
+          </a:p>
+        </p:txBody>
+      </p:sp>
+      <p:pic>
+        <p:nvPicPr>
+          <p:cNvPr id="4" name="图片 3"/>
+          <p:cNvPicPr>
+            <a:picLocks noChangeAspect="1"/>
+          </p:cNvPicPr>
+          <p:nvPr/>
+        </p:nvPicPr>
+        <p:blipFill>
+          <a:blip r:embed="rId2"/>
+          <a:stretch>
+            <a:fillRect/>
+          </a:stretch>
+        </p:blipFill>
+        <p:spPr>
+          <a:xfrm>
+            <a:off x="6575861" y="3406206"/>
+            <a:ext cx="3780952" cy="2676190"/>
+          </a:xfrm>
+          <a:prstGeom prst="rect">
+            <a:avLst/>
+          </a:prstGeom>
+        </p:spPr>
+      </p:pic>
+      <p:pic>
+        <p:nvPicPr>
+          <p:cNvPr id="5" name="图片 4"/>
+          <p:cNvPicPr>
+            <a:picLocks noChangeAspect="1"/>
+          </p:cNvPicPr>
+          <p:nvPr/>
+        </p:nvPicPr>
+        <p:blipFill>
+          <a:blip r:embed="rId3"/>
+          <a:stretch>
+            <a:fillRect/>
+          </a:stretch>
+        </p:blipFill>
+        <p:spPr>
+          <a:xfrm>
+            <a:off x="1423245" y="3177635"/>
+            <a:ext cx="4409524" cy="3133333"/>
+          </a:xfrm>
+          <a:prstGeom prst="rect">
+            <a:avLst/>
+          </a:prstGeom>
+        </p:spPr>
+      </p:pic>
+    </p:spTree>
+    <p:extLst>
+      <p:ext uri="{BB962C8B-B14F-4D97-AF65-F5344CB8AC3E}">
+        <p14:creationId xmlns:p14="http://schemas.microsoft.com/office/powerpoint/2010/main" val="3459472838"/>
+      </p:ext>
+    </p:extLst>
+  </p:cSld>
+  <p:clrMapOvr>
+    <a:masterClrMapping/>
+  </p:clrMapOvr>
+</p:sld>
+</file>
+
+<file path=ppt/slides/slide9.xml><?xml version="1.0" encoding="utf-8"?>
+<p:sld xmlns:a="http://schemas.openxmlformats.org/drawingml/2006/main" xmlns:r="http://schemas.openxmlformats.org/officeDocument/2006/relationships" xmlns:p="http://schemas.openxmlformats.org/presentationml/2006/main">
+  <p:cSld>
+    <p:spTree>
+      <p:nvGrpSpPr>
+        <p:cNvPr id="1" name=""/>
+        <p:cNvGrpSpPr/>
+        <p:nvPr/>
+      </p:nvGrpSpPr>
+      <p:grpSpPr>
+        <a:xfrm>
+          <a:off x="0" y="0"/>
+          <a:ext cx="0" cy="0"/>
+          <a:chOff x="0" y="0"/>
+          <a:chExt cx="0" cy="0"/>
+        </a:xfrm>
+      </p:grpSpPr>
+      <p:sp>
+        <p:nvSpPr>
+          <p:cNvPr id="2" name="标题 1"/>
+          <p:cNvSpPr>
+            <a:spLocks noGrp="1"/>
+          </p:cNvSpPr>
+          <p:nvPr>
+            <p:ph type="title"/>
+          </p:nvPr>
+        </p:nvSpPr>
+        <p:spPr/>
+        <p:txBody>
+          <a:bodyPr/>
+          <a:lstStyle/>
+          <a:p>
+            <a:r>
+              <a:rPr lang="zh-CN" altLang="en-US" dirty="0"/>
               <a:t>版本提示</a:t>
             </a:r>
           </a:p>
@@ -4518,120 +4759,6 @@
     <p:extLst>
       <p:ext uri="{BB962C8B-B14F-4D97-AF65-F5344CB8AC3E}">
         <p14:creationId xmlns:p14="http://schemas.microsoft.com/office/powerpoint/2010/main" val="67404032"/>
-      </p:ext>
-    </p:extLst>
-  </p:cSld>
-  <p:clrMapOvr>
-    <a:masterClrMapping/>
-  </p:clrMapOvr>
-</p:sld>
-</file>
-
-<file path=ppt/slides/slide9.xml><?xml version="1.0" encoding="utf-8"?>
-<p:sld xmlns:a="http://schemas.openxmlformats.org/drawingml/2006/main" xmlns:r="http://schemas.openxmlformats.org/officeDocument/2006/relationships" xmlns:p="http://schemas.openxmlformats.org/presentationml/2006/main">
-  <p:cSld>
-    <p:spTree>
-      <p:nvGrpSpPr>
-        <p:cNvPr id="1" name=""/>
-        <p:cNvGrpSpPr/>
-        <p:nvPr/>
-      </p:nvGrpSpPr>
-      <p:grpSpPr>
-        <a:xfrm>
-          <a:off x="0" y="0"/>
-          <a:ext cx="0" cy="0"/>
-          <a:chOff x="0" y="0"/>
-          <a:chExt cx="0" cy="0"/>
-        </a:xfrm>
-      </p:grpSpPr>
-      <p:sp>
-        <p:nvSpPr>
-          <p:cNvPr id="2" name="标题 1"/>
-          <p:cNvSpPr>
-            <a:spLocks noGrp="1"/>
-          </p:cNvSpPr>
-          <p:nvPr>
-            <p:ph type="title"/>
-          </p:nvPr>
-        </p:nvSpPr>
-        <p:spPr/>
-        <p:txBody>
-          <a:bodyPr/>
-          <a:lstStyle/>
-          <a:p>
-            <a:r>
-              <a:rPr lang="en-US" altLang="zh-CN" dirty="0"/>
-              <a:t>UE</a:t>
-            </a:r>
-            <a:r>
-              <a:rPr lang="zh-CN" altLang="en-US" dirty="0"/>
-              <a:t>编辑器界面</a:t>
-            </a:r>
-          </a:p>
-        </p:txBody>
-      </p:sp>
-      <p:sp>
-        <p:nvSpPr>
-          <p:cNvPr id="5" name="内容占位符 4"/>
-          <p:cNvSpPr>
-            <a:spLocks noGrp="1"/>
-          </p:cNvSpPr>
-          <p:nvPr>
-            <p:ph idx="1"/>
-          </p:nvPr>
-        </p:nvSpPr>
-        <p:spPr/>
-        <p:txBody>
-          <a:bodyPr/>
-          <a:lstStyle/>
-          <a:p>
-            <a:r>
-              <a:rPr lang="zh-CN" altLang="en-US" dirty="0"/>
-              <a:t>编译完成以后，自动打开</a:t>
-            </a:r>
-            <a:r>
-              <a:rPr lang="en-US" altLang="zh-CN" dirty="0"/>
-              <a:t>UE</a:t>
-            </a:r>
-            <a:r>
-              <a:rPr lang="zh-CN" altLang="en-US" dirty="0"/>
-              <a:t>编辑器</a:t>
-            </a:r>
-            <a:endParaRPr lang="en-US" altLang="zh-CN" dirty="0"/>
-          </a:p>
-          <a:p>
-            <a:endParaRPr lang="zh-CN" altLang="en-US" dirty="0"/>
-          </a:p>
-        </p:txBody>
-      </p:sp>
-      <p:pic>
-        <p:nvPicPr>
-          <p:cNvPr id="6" name="内容占位符 3"/>
-          <p:cNvPicPr>
-            <a:picLocks noChangeAspect="1"/>
-          </p:cNvPicPr>
-          <p:nvPr/>
-        </p:nvPicPr>
-        <p:blipFill>
-          <a:blip r:embed="rId2"/>
-          <a:stretch>
-            <a:fillRect/>
-          </a:stretch>
-        </p:blipFill>
-        <p:spPr>
-          <a:xfrm>
-            <a:off x="2272683" y="2464229"/>
-            <a:ext cx="7630574" cy="4147740"/>
-          </a:xfrm>
-          <a:prstGeom prst="rect">
-            <a:avLst/>
-          </a:prstGeom>
-        </p:spPr>
-      </p:pic>
-    </p:spTree>
-    <p:extLst>
-      <p:ext uri="{BB962C8B-B14F-4D97-AF65-F5344CB8AC3E}">
-        <p14:creationId xmlns:p14="http://schemas.microsoft.com/office/powerpoint/2010/main" val="3850594441"/>
       </p:ext>
     </p:extLst>
   </p:cSld>
